--- a/Sortări.pptx
+++ b/Sortări.pptx
@@ -170,7 +170,6 @@
           </a:p>
         </c:rich>
       </c:tx>
-      <c:layout/>
       <c:overlay val="0"/>
       <c:spPr>
         <a:noFill/>
@@ -421,12 +420,12 @@
         </c:dLbls>
         <c:gapWidth val="150"/>
         <c:shape val="box"/>
-        <c:axId val="153212784"/>
-        <c:axId val="153213344"/>
+        <c:axId val="264939440"/>
+        <c:axId val="264940000"/>
         <c:axId val="0"/>
       </c:bar3DChart>
       <c:catAx>
-        <c:axId val="153212784"/>
+        <c:axId val="264939440"/>
         <c:scaling>
           <c:orientation val="minMax"/>
         </c:scaling>
@@ -463,7 +462,7 @@
             <a:endParaRPr lang="ro-RO"/>
           </a:p>
         </c:txPr>
-        <c:crossAx val="153213344"/>
+        <c:crossAx val="264940000"/>
         <c:crosses val="autoZero"/>
         <c:auto val="1"/>
         <c:lblAlgn val="ctr"/>
@@ -471,7 +470,7 @@
         <c:noMultiLvlLbl val="0"/>
       </c:catAx>
       <c:valAx>
-        <c:axId val="153213344"/>
+        <c:axId val="264940000"/>
         <c:scaling>
           <c:orientation val="minMax"/>
         </c:scaling>
@@ -522,7 +521,7 @@
             <a:endParaRPr lang="ro-RO"/>
           </a:p>
         </c:txPr>
-        <c:crossAx val="153212784"/>
+        <c:crossAx val="264939440"/>
         <c:crosses val="autoZero"/>
         <c:crossBetween val="between"/>
       </c:valAx>
@@ -536,7 +535,6 @@
     </c:plotArea>
     <c:legend>
       <c:legendPos val="b"/>
-      <c:layout/>
       <c:overlay val="0"/>
       <c:spPr>
         <a:noFill/>
@@ -638,7 +636,6 @@
           </a:p>
         </c:rich>
       </c:tx>
-      <c:layout/>
       <c:overlay val="0"/>
       <c:spPr>
         <a:noFill/>
@@ -907,12 +904,12 @@
         </c:dLbls>
         <c:gapWidth val="150"/>
         <c:shape val="box"/>
-        <c:axId val="153217824"/>
-        <c:axId val="153218384"/>
+        <c:axId val="189409616"/>
+        <c:axId val="189410176"/>
         <c:axId val="0"/>
       </c:bar3DChart>
       <c:catAx>
-        <c:axId val="153217824"/>
+        <c:axId val="189409616"/>
         <c:scaling>
           <c:orientation val="minMax"/>
         </c:scaling>
@@ -949,7 +946,7 @@
             <a:endParaRPr lang="ro-RO"/>
           </a:p>
         </c:txPr>
-        <c:crossAx val="153218384"/>
+        <c:crossAx val="189410176"/>
         <c:crosses val="autoZero"/>
         <c:auto val="1"/>
         <c:lblAlgn val="ctr"/>
@@ -957,7 +954,7 @@
         <c:noMultiLvlLbl val="0"/>
       </c:catAx>
       <c:valAx>
-        <c:axId val="153218384"/>
+        <c:axId val="189410176"/>
         <c:scaling>
           <c:orientation val="minMax"/>
         </c:scaling>
@@ -1008,7 +1005,7 @@
             <a:endParaRPr lang="ro-RO"/>
           </a:p>
         </c:txPr>
-        <c:crossAx val="153217824"/>
+        <c:crossAx val="189409616"/>
         <c:crosses val="autoZero"/>
         <c:crossBetween val="between"/>
       </c:valAx>
@@ -1022,7 +1019,6 @@
     </c:plotArea>
     <c:legend>
       <c:legendPos val="b"/>
-      <c:layout/>
       <c:overlay val="0"/>
       <c:spPr>
         <a:noFill/>
@@ -1124,7 +1120,6 @@
           </a:p>
         </c:rich>
       </c:tx>
-      <c:layout/>
       <c:overlay val="0"/>
       <c:spPr>
         <a:noFill/>
@@ -1393,12 +1388,12 @@
         </c:dLbls>
         <c:gapWidth val="150"/>
         <c:shape val="box"/>
-        <c:axId val="157520528"/>
-        <c:axId val="157521088"/>
+        <c:axId val="189413536"/>
+        <c:axId val="189414096"/>
         <c:axId val="0"/>
       </c:bar3DChart>
       <c:catAx>
-        <c:axId val="157520528"/>
+        <c:axId val="189413536"/>
         <c:scaling>
           <c:orientation val="minMax"/>
         </c:scaling>
@@ -1435,7 +1430,7 @@
             <a:endParaRPr lang="ro-RO"/>
           </a:p>
         </c:txPr>
-        <c:crossAx val="157521088"/>
+        <c:crossAx val="189414096"/>
         <c:crosses val="autoZero"/>
         <c:auto val="1"/>
         <c:lblAlgn val="ctr"/>
@@ -1443,7 +1438,7 @@
         <c:noMultiLvlLbl val="0"/>
       </c:catAx>
       <c:valAx>
-        <c:axId val="157521088"/>
+        <c:axId val="189414096"/>
         <c:scaling>
           <c:orientation val="minMax"/>
         </c:scaling>
@@ -1494,7 +1489,7 @@
             <a:endParaRPr lang="ro-RO"/>
           </a:p>
         </c:txPr>
-        <c:crossAx val="157520528"/>
+        <c:crossAx val="189413536"/>
         <c:crosses val="autoZero"/>
         <c:crossBetween val="between"/>
       </c:valAx>
@@ -1508,7 +1503,6 @@
     </c:plotArea>
     <c:legend>
       <c:legendPos val="b"/>
-      <c:layout/>
       <c:overlay val="0"/>
       <c:spPr>
         <a:noFill/>
@@ -1610,7 +1604,6 @@
           </a:p>
         </c:rich>
       </c:tx>
-      <c:layout/>
       <c:overlay val="0"/>
       <c:spPr>
         <a:noFill/>
@@ -1738,10 +1731,10 @@
                   <c:v>0</c:v>
                 </c:pt>
                 <c:pt idx="1">
-                  <c:v>620000</c:v>
+                  <c:v>515000</c:v>
                 </c:pt>
                 <c:pt idx="2">
-                  <c:v>6850009</c:v>
+                  <c:v>5760008</c:v>
                 </c:pt>
               </c:numCache>
             </c:numRef>
@@ -1799,10 +1792,10 @@
                   <c:v>0</c:v>
                 </c:pt>
                 <c:pt idx="1">
-                  <c:v>635000</c:v>
+                  <c:v>535000</c:v>
                 </c:pt>
                 <c:pt idx="2">
-                  <c:v>7130010</c:v>
+                  <c:v>5950008</c:v>
                 </c:pt>
               </c:numCache>
             </c:numRef>
@@ -1860,10 +1853,10 @@
                   <c:v>0</c:v>
                 </c:pt>
                 <c:pt idx="1">
-                  <c:v>655000</c:v>
+                  <c:v>555000</c:v>
                 </c:pt>
                 <c:pt idx="2">
-                  <c:v>7190010</c:v>
+                  <c:v>6120008</c:v>
                 </c:pt>
               </c:numCache>
             </c:numRef>
@@ -1879,12 +1872,12 @@
         </c:dLbls>
         <c:gapWidth val="150"/>
         <c:shape val="box"/>
-        <c:axId val="157525008"/>
-        <c:axId val="157525568"/>
+        <c:axId val="187814944"/>
+        <c:axId val="187815504"/>
         <c:axId val="0"/>
       </c:bar3DChart>
       <c:catAx>
-        <c:axId val="157525008"/>
+        <c:axId val="187814944"/>
         <c:scaling>
           <c:orientation val="minMax"/>
         </c:scaling>
@@ -1921,7 +1914,7 @@
             <a:endParaRPr lang="ro-RO"/>
           </a:p>
         </c:txPr>
-        <c:crossAx val="157525568"/>
+        <c:crossAx val="187815504"/>
         <c:crosses val="autoZero"/>
         <c:auto val="1"/>
         <c:lblAlgn val="ctr"/>
@@ -1929,7 +1922,7 @@
         <c:noMultiLvlLbl val="0"/>
       </c:catAx>
       <c:valAx>
-        <c:axId val="157525568"/>
+        <c:axId val="187815504"/>
         <c:scaling>
           <c:orientation val="minMax"/>
         </c:scaling>
@@ -1980,7 +1973,7 @@
             <a:endParaRPr lang="ro-RO"/>
           </a:p>
         </c:txPr>
-        <c:crossAx val="157525008"/>
+        <c:crossAx val="187814944"/>
         <c:crosses val="autoZero"/>
         <c:crossBetween val="between"/>
       </c:valAx>
@@ -1994,7 +1987,6 @@
     </c:plotArea>
     <c:legend>
       <c:legendPos val="b"/>
-      <c:layout/>
       <c:overlay val="0"/>
       <c:spPr>
         <a:noFill/>
@@ -2096,7 +2088,6 @@
           </a:p>
         </c:rich>
       </c:tx>
-      <c:layout/>
       <c:overlay val="0"/>
       <c:spPr>
         <a:noFill/>
@@ -2557,12 +2548,12 @@
         </c:dLbls>
         <c:gapWidth val="150"/>
         <c:shape val="box"/>
-        <c:axId val="153931280"/>
-        <c:axId val="154255856"/>
+        <c:axId val="267441776"/>
+        <c:axId val="267442336"/>
         <c:axId val="0"/>
       </c:bar3DChart>
       <c:catAx>
-        <c:axId val="153931280"/>
+        <c:axId val="267441776"/>
         <c:scaling>
           <c:orientation val="minMax"/>
         </c:scaling>
@@ -2599,7 +2590,7 @@
             <a:endParaRPr lang="ro-RO"/>
           </a:p>
         </c:txPr>
-        <c:crossAx val="154255856"/>
+        <c:crossAx val="267442336"/>
         <c:crosses val="autoZero"/>
         <c:auto val="1"/>
         <c:lblAlgn val="ctr"/>
@@ -2607,7 +2598,7 @@
         <c:noMultiLvlLbl val="0"/>
       </c:catAx>
       <c:valAx>
-        <c:axId val="154255856"/>
+        <c:axId val="267442336"/>
         <c:scaling>
           <c:orientation val="minMax"/>
         </c:scaling>
@@ -2658,7 +2649,7 @@
             <a:endParaRPr lang="ro-RO"/>
           </a:p>
         </c:txPr>
-        <c:crossAx val="153931280"/>
+        <c:crossAx val="267441776"/>
         <c:crosses val="autoZero"/>
         <c:crossBetween val="between"/>
       </c:valAx>
@@ -2672,7 +2663,6 @@
     </c:plotArea>
     <c:legend>
       <c:legendPos val="b"/>
-      <c:layout/>
       <c:overlay val="0"/>
       <c:spPr>
         <a:noFill/>
@@ -3048,10 +3038,10 @@
                   <c:v>0</c:v>
                 </c:pt>
                 <c:pt idx="2">
-                  <c:v>0.63666599999999995</c:v>
+                  <c:v>0.53500000000000003</c:v>
                 </c:pt>
                 <c:pt idx="3">
-                  <c:v>74.666666000000006</c:v>
+                  <c:v>64.770089999999996</c:v>
                 </c:pt>
               </c:numCache>
             </c:numRef>
@@ -3200,11 +3190,11 @@
           <c:showBubbleSize val="0"/>
         </c:dLbls>
         <c:gapWidth val="219"/>
-        <c:axId val="304923936"/>
-        <c:axId val="304924496"/>
+        <c:axId val="268189888"/>
+        <c:axId val="268190448"/>
       </c:barChart>
       <c:catAx>
-        <c:axId val="304923936"/>
+        <c:axId val="268189888"/>
         <c:scaling>
           <c:orientation val="minMax"/>
         </c:scaling>
@@ -3244,7 +3234,7 @@
             <a:endParaRPr lang="ro-RO"/>
           </a:p>
         </c:txPr>
-        <c:crossAx val="304924496"/>
+        <c:crossAx val="268190448"/>
         <c:crosses val="autoZero"/>
         <c:auto val="1"/>
         <c:lblAlgn val="ctr"/>
@@ -3252,7 +3242,7 @@
         <c:noMultiLvlLbl val="0"/>
       </c:catAx>
       <c:valAx>
-        <c:axId val="304924496"/>
+        <c:axId val="268190448"/>
         <c:scaling>
           <c:orientation val="minMax"/>
         </c:scaling>
@@ -3300,7 +3290,7 @@
             <a:endParaRPr lang="ro-RO"/>
           </a:p>
         </c:txPr>
-        <c:crossAx val="304923936"/>
+        <c:crossAx val="268189888"/>
         <c:crosses val="autoZero"/>
         <c:crossBetween val="between"/>
       </c:valAx>
@@ -10863,7 +10853,7 @@
           <a:p>
             <a:fld id="{7FAF2A4E-8899-42F7-B8E7-9EDE664C0468}" type="datetimeFigureOut">
               <a:rPr lang="ro-RO" smtClean="0"/>
-              <a:t>14.03.2021</a:t>
+              <a:t>03.04.2021</a:t>
             </a:fld>
             <a:endParaRPr lang="ro-RO"/>
           </a:p>
@@ -11130,7 +11120,7 @@
           <a:p>
             <a:fld id="{7FAF2A4E-8899-42F7-B8E7-9EDE664C0468}" type="datetimeFigureOut">
               <a:rPr lang="ro-RO" smtClean="0"/>
-              <a:t>14.03.2021</a:t>
+              <a:t>03.04.2021</a:t>
             </a:fld>
             <a:endParaRPr lang="ro-RO"/>
           </a:p>
@@ -11326,7 +11316,7 @@
           <a:p>
             <a:fld id="{7FAF2A4E-8899-42F7-B8E7-9EDE664C0468}" type="datetimeFigureOut">
               <a:rPr lang="ro-RO" smtClean="0"/>
-              <a:t>14.03.2021</a:t>
+              <a:t>03.04.2021</a:t>
             </a:fld>
             <a:endParaRPr lang="ro-RO"/>
           </a:p>
@@ -11589,7 +11579,7 @@
           <a:p>
             <a:fld id="{7FAF2A4E-8899-42F7-B8E7-9EDE664C0468}" type="datetimeFigureOut">
               <a:rPr lang="ro-RO" smtClean="0"/>
-              <a:t>14.03.2021</a:t>
+              <a:t>03.04.2021</a:t>
             </a:fld>
             <a:endParaRPr lang="ro-RO"/>
           </a:p>
@@ -12023,7 +12013,7 @@
           <a:p>
             <a:fld id="{7FAF2A4E-8899-42F7-B8E7-9EDE664C0468}" type="datetimeFigureOut">
               <a:rPr lang="ro-RO" smtClean="0"/>
-              <a:t>14.03.2021</a:t>
+              <a:t>03.04.2021</a:t>
             </a:fld>
             <a:endParaRPr lang="ro-RO"/>
           </a:p>
@@ -12569,7 +12559,7 @@
           <a:p>
             <a:fld id="{7FAF2A4E-8899-42F7-B8E7-9EDE664C0468}" type="datetimeFigureOut">
               <a:rPr lang="ro-RO" smtClean="0"/>
-              <a:t>14.03.2021</a:t>
+              <a:t>03.04.2021</a:t>
             </a:fld>
             <a:endParaRPr lang="ro-RO"/>
           </a:p>
@@ -13289,7 +13279,7 @@
           <a:p>
             <a:fld id="{7FAF2A4E-8899-42F7-B8E7-9EDE664C0468}" type="datetimeFigureOut">
               <a:rPr lang="ro-RO" smtClean="0"/>
-              <a:t>14.03.2021</a:t>
+              <a:t>03.04.2021</a:t>
             </a:fld>
             <a:endParaRPr lang="ro-RO"/>
           </a:p>
@@ -13459,7 +13449,7 @@
           <a:p>
             <a:fld id="{7FAF2A4E-8899-42F7-B8E7-9EDE664C0468}" type="datetimeFigureOut">
               <a:rPr lang="ro-RO" smtClean="0"/>
-              <a:t>14.03.2021</a:t>
+              <a:t>03.04.2021</a:t>
             </a:fld>
             <a:endParaRPr lang="ro-RO"/>
           </a:p>
@@ -13639,7 +13629,7 @@
           <a:p>
             <a:fld id="{7FAF2A4E-8899-42F7-B8E7-9EDE664C0468}" type="datetimeFigureOut">
               <a:rPr lang="ro-RO" smtClean="0"/>
-              <a:t>14.03.2021</a:t>
+              <a:t>03.04.2021</a:t>
             </a:fld>
             <a:endParaRPr lang="ro-RO"/>
           </a:p>
@@ -13809,7 +13799,7 @@
           <a:p>
             <a:fld id="{7FAF2A4E-8899-42F7-B8E7-9EDE664C0468}" type="datetimeFigureOut">
               <a:rPr lang="ro-RO" smtClean="0"/>
-              <a:t>14.03.2021</a:t>
+              <a:t>03.04.2021</a:t>
             </a:fld>
             <a:endParaRPr lang="ro-RO"/>
           </a:p>
@@ -14059,7 +14049,7 @@
           <a:p>
             <a:fld id="{7FAF2A4E-8899-42F7-B8E7-9EDE664C0468}" type="datetimeFigureOut">
               <a:rPr lang="ro-RO" smtClean="0"/>
-              <a:t>14.03.2021</a:t>
+              <a:t>03.04.2021</a:t>
             </a:fld>
             <a:endParaRPr lang="ro-RO"/>
           </a:p>
@@ -14291,7 +14281,7 @@
           <a:p>
             <a:fld id="{7FAF2A4E-8899-42F7-B8E7-9EDE664C0468}" type="datetimeFigureOut">
               <a:rPr lang="ro-RO" smtClean="0"/>
-              <a:t>14.03.2021</a:t>
+              <a:t>03.04.2021</a:t>
             </a:fld>
             <a:endParaRPr lang="ro-RO"/>
           </a:p>
@@ -14672,7 +14662,7 @@
           <a:p>
             <a:fld id="{7FAF2A4E-8899-42F7-B8E7-9EDE664C0468}" type="datetimeFigureOut">
               <a:rPr lang="ro-RO" smtClean="0"/>
-              <a:t>14.03.2021</a:t>
+              <a:t>03.04.2021</a:t>
             </a:fld>
             <a:endParaRPr lang="ro-RO"/>
           </a:p>
@@ -14790,7 +14780,7 @@
           <a:p>
             <a:fld id="{7FAF2A4E-8899-42F7-B8E7-9EDE664C0468}" type="datetimeFigureOut">
               <a:rPr lang="ro-RO" smtClean="0"/>
-              <a:t>14.03.2021</a:t>
+              <a:t>03.04.2021</a:t>
             </a:fld>
             <a:endParaRPr lang="ro-RO"/>
           </a:p>
@@ -14885,7 +14875,7 @@
           <a:p>
             <a:fld id="{7FAF2A4E-8899-42F7-B8E7-9EDE664C0468}" type="datetimeFigureOut">
               <a:rPr lang="ro-RO" smtClean="0"/>
-              <a:t>14.03.2021</a:t>
+              <a:t>03.04.2021</a:t>
             </a:fld>
             <a:endParaRPr lang="ro-RO"/>
           </a:p>
@@ -15134,7 +15124,7 @@
           <a:p>
             <a:fld id="{7FAF2A4E-8899-42F7-B8E7-9EDE664C0468}" type="datetimeFigureOut">
               <a:rPr lang="ro-RO" smtClean="0"/>
-              <a:t>14.03.2021</a:t>
+              <a:t>03.04.2021</a:t>
             </a:fld>
             <a:endParaRPr lang="ro-RO"/>
           </a:p>
@@ -15414,7 +15404,7 @@
           <a:p>
             <a:fld id="{7FAF2A4E-8899-42F7-B8E7-9EDE664C0468}" type="datetimeFigureOut">
               <a:rPr lang="ro-RO" smtClean="0"/>
-              <a:t>14.03.2021</a:t>
+              <a:t>03.04.2021</a:t>
             </a:fld>
             <a:endParaRPr lang="ro-RO"/>
           </a:p>
@@ -18491,7 +18481,7 @@
           <a:p>
             <a:fld id="{7FAF2A4E-8899-42F7-B8E7-9EDE664C0468}" type="datetimeFigureOut">
               <a:rPr lang="ro-RO" smtClean="0"/>
-              <a:t>14.03.2021</a:t>
+              <a:t>03.04.2021</a:t>
             </a:fld>
             <a:endParaRPr lang="ro-RO"/>
           </a:p>
@@ -18958,11 +18948,7 @@
           <a:p>
             <a:r>
               <a:rPr lang="ro-RO" dirty="0" smtClean="0"/>
-              <a:t>(comparație între 5 tipuri de sortări</a:t>
-            </a:r>
-            <a:r>
-              <a:rPr lang="ro-RO" dirty="0" smtClean="0"/>
-              <a:t>)</a:t>
+              <a:t>(comparație între 5 tipuri de sortări)</a:t>
             </a:r>
           </a:p>
           <a:p>
@@ -19046,7 +19032,7 @@
             <p:ph idx="1"/>
             <p:extLst>
               <p:ext uri="{D42A27DB-BD31-4B8C-83A1-F6EECF244321}">
-                <p14:modId xmlns:p14="http://schemas.microsoft.com/office/powerpoint/2010/main" val="559048260"/>
+                <p14:modId xmlns:p14="http://schemas.microsoft.com/office/powerpoint/2010/main" val="2222445165"/>
               </p:ext>
             </p:extLst>
           </p:nvPr>
@@ -19138,15 +19124,7 @@
           <a:p>
             <a:r>
               <a:rPr lang="ro-RO" dirty="0" smtClean="0"/>
-              <a:t>Cel mai eficient algoritm dintre </a:t>
-            </a:r>
-            <a:r>
-              <a:rPr lang="ro-RO" dirty="0" smtClean="0"/>
-              <a:t>cei testați </a:t>
-            </a:r>
-            <a:r>
-              <a:rPr lang="ro-RO" dirty="0" smtClean="0"/>
-              <a:t>în anumite condiții</a:t>
+              <a:t>Cel mai eficient algoritm dintre cei testați în anumite condiții</a:t>
             </a:r>
           </a:p>
           <a:p>
@@ -19160,11 +19138,7 @@
             </a:r>
             <a:r>
               <a:rPr lang="ro-RO" dirty="0" smtClean="0"/>
-              <a:t> proporțional de Max; cu cât este mai mic raportul dintre N și Max, cu atât mai rapid este algoritmul în comparație cu restul celor </a:t>
-            </a:r>
-            <a:r>
-              <a:rPr lang="ro-RO" dirty="0" smtClean="0"/>
-              <a:t>testați</a:t>
+              <a:t> proporțional de Max; cu cât este mai mic raportul dintre N și Max, cu atât mai rapid este algoritmul în comparație cu restul celor testați</a:t>
             </a:r>
             <a:r>
               <a:rPr lang="ro-RO" dirty="0"/>
@@ -19174,7 +19148,6 @@
               <a:rPr lang="ro-RO" dirty="0" smtClean="0"/>
               <a:t>(până când raportul este echiunitar sau subunitar, caz în care timpul devine constant)</a:t>
             </a:r>
-            <a:endParaRPr lang="ro-RO" dirty="0" smtClean="0"/>
           </a:p>
           <a:p>
             <a:r>
@@ -19432,7 +19405,7 @@
             <p:ph idx="1"/>
             <p:extLst>
               <p:ext uri="{D42A27DB-BD31-4B8C-83A1-F6EECF244321}">
-                <p14:modId xmlns:p14="http://schemas.microsoft.com/office/powerpoint/2010/main" val="2489688868"/>
+                <p14:modId xmlns:p14="http://schemas.microsoft.com/office/powerpoint/2010/main" val="3807967704"/>
               </p:ext>
             </p:extLst>
           </p:nvPr>
@@ -19625,15 +19598,7 @@
             </a:r>
             <a:r>
               <a:rPr lang="ro-RO" dirty="0" smtClean="0"/>
-              <a:t> </a:t>
-            </a:r>
-            <a:r>
-              <a:rPr lang="ro-RO" dirty="0" smtClean="0"/>
-              <a:t>s-a făcut un singur test</a:t>
-            </a:r>
-            <a:r>
-              <a:rPr lang="ro-RO" dirty="0" smtClean="0"/>
-              <a:t>.</a:t>
+              <a:t> s-a făcut un singur test.</a:t>
             </a:r>
           </a:p>
           <a:p>
@@ -19641,20 +19606,11 @@
               <a:rPr lang="ro-RO" dirty="0" smtClean="0"/>
               <a:t>Toți algoritmii au fost implementați în C++, iar toate testele s-au făcut cu numere aleatorii (generate cu mt19937).</a:t>
             </a:r>
-            <a:endParaRPr lang="ro-RO" dirty="0" smtClean="0"/>
           </a:p>
           <a:p>
             <a:r>
               <a:rPr lang="ro-RO" dirty="0" smtClean="0"/>
-              <a:t>Algoritmii cu timp de executare mai mare de un minut (60 de milioane de microsecunde) </a:t>
-            </a:r>
-            <a:r>
-              <a:rPr lang="ro-RO" dirty="0" smtClean="0"/>
-              <a:t>pe anumite valori ale lui N și Max se </a:t>
-            </a:r>
-            <a:r>
-              <a:rPr lang="ro-RO" dirty="0" smtClean="0"/>
-              <a:t>vor considera </a:t>
+              <a:t>Algoritmii cu timp de executare mai mare de un minut (60 de milioane de microsecunde) pe anumite valori ale lui N și Max se vor considera </a:t>
             </a:r>
             <a:r>
               <a:rPr lang="ro-RO" b="1" dirty="0" smtClean="0"/>
@@ -19738,13 +19694,8 @@
           <a:p>
             <a:r>
               <a:rPr lang="ro-RO" dirty="0" smtClean="0"/>
-              <a:t>Cel mai ineficient algoritm dintre </a:t>
+              <a:t>Cel mai ineficient algoritm dintre cei testați</a:t>
             </a:r>
-            <a:r>
-              <a:rPr lang="ro-RO" dirty="0" smtClean="0"/>
-              <a:t>cei testați</a:t>
-            </a:r>
-            <a:endParaRPr lang="ro-RO" dirty="0" smtClean="0"/>
           </a:p>
           <a:p>
             <a:r>
